--- a/slides/big_data/1.3_Introduction_to_Big_Data_Concepts.pptx
+++ b/slides/big_data/1.3_Introduction_to_Big_Data_Concepts.pptx
@@ -255,7 +255,7 @@
           <a:p>
             <a:fld id="{D4F90C4B-6861-9047-AA41-73DB37431590}" type="datetimeFigureOut">
               <a:rPr lang="en-US" smtClean="0"/>
-              <a:t>5/3/22</a:t>
+              <a:t>9/18/23</a:t>
             </a:fld>
             <a:endParaRPr lang="en-US"/>
           </a:p>
@@ -390,7 +390,7 @@
           <a:p>
             <a:fld id="{A4F88AF8-1A70-49DA-8521-47D5E6F867E9}" type="datetimeFigureOut">
               <a:rPr lang="en-GB" smtClean="0"/>
-              <a:t>03/05/2022</a:t>
+              <a:t>18/09/2023</a:t>
             </a:fld>
             <a:endParaRPr lang="en-GB"/>
           </a:p>
@@ -11439,12 +11439,12 @@
               <a:t>Mahmoud </a:t>
             </a:r>
             <a:r>
-              <a:rPr lang="en-US" sz="2000">
+              <a:rPr lang="en-US" sz="2000" dirty="0" err="1">
                 <a:solidFill>
                   <a:srgbClr val="0055A0"/>
                 </a:solidFill>
               </a:rPr>
-              <a:t>(Max) Parsian</a:t>
+              <a:t>Parsian</a:t>
             </a:r>
             <a:endParaRPr lang="en-US" sz="2000" dirty="0">
               <a:solidFill>
